--- a/Examples/Data/Charts/Legend_out.pptx
+++ b/Examples/Data/Charts/Legend_out.pptx
@@ -1,6 +1,6 @@
 
 <file path=ppt/presentation.xml><?xml version="1.0" encoding="utf-8"?>
-<!--Generated by Aspose.Slides for .NET 19.6-->
+<!--Generated by Aspose.Slides for .NET 21.12-->
 <p:presentation xmlns:r="http://schemas.openxmlformats.org/officeDocument/2006/relationships" xmlns:a="http://schemas.openxmlformats.org/drawingml/2006/main" xmlns:p="http://schemas.openxmlformats.org/presentationml/2006/main" saveSubsetFonts="1">
   <p:sldMasterIdLst>
     <p:sldMasterId id="2147483648" r:id="rId1"/>
@@ -112,7 +112,7 @@
 </file>
 
 <file path=ppt/charts/chart1.xml><?xml version="1.0" encoding="utf-8"?>
-<c:chartSpace xmlns:a="http://schemas.openxmlformats.org/drawingml/2006/main" xmlns:r="http://schemas.openxmlformats.org/officeDocument/2006/relationships" xmlns:c="http://schemas.openxmlformats.org/drawingml/2006/chart">
+<c:chartSpace xmlns:a="http://schemas.openxmlformats.org/drawingml/2006/main" xmlns:r="http://schemas.openxmlformats.org/officeDocument/2006/relationships" xmlns:m="http://schemas.openxmlformats.org/officeDocument/2006/math" xmlns:w="http://schemas.openxmlformats.org/wordprocessingml/2006/main" xmlns:wp="http://schemas.openxmlformats.org/drawingml/2006/wordprocessingDrawing" xmlns:a14="http://schemas.microsoft.com/office/drawing/2010/main" xmlns:c="http://schemas.openxmlformats.org/drawingml/2006/chart">
   <c:date1904 val="0"/>
   <c:lang val="ru-RU"/>
   <c:roundedCorners val="0"/>
@@ -380,11 +380,11 @@
 </file>
 
 <file path=ppt/slideLayouts/slideLayout1.xml><?xml version="1.0" encoding="utf-8"?>
-<p:sldLayout xmlns:a="http://schemas.openxmlformats.org/drawingml/2006/main" xmlns:r="http://schemas.openxmlformats.org/officeDocument/2006/relationships" xmlns:p14="http://schemas.microsoft.com/office/powerpoint/2010/main" xmlns:a14="http://schemas.microsoft.com/office/drawing/2010/main" xmlns:p15="http://schemas.microsoft.com/office/powerpoint/2012/main" xmlns:p159="http://schemas.microsoft.com/office/powerpoint/2015/09/main" xmlns:p="http://schemas.openxmlformats.org/presentationml/2006/main" type="title" preserve="1">
+<p:sldLayout xmlns:a="http://schemas.openxmlformats.org/drawingml/2006/main" xmlns:r="http://schemas.openxmlformats.org/officeDocument/2006/relationships" xmlns:m="http://schemas.openxmlformats.org/officeDocument/2006/math" xmlns:w="http://schemas.openxmlformats.org/wordprocessingml/2006/main" xmlns:wp="http://schemas.openxmlformats.org/drawingml/2006/wordprocessingDrawing" xmlns:a14="http://schemas.microsoft.com/office/drawing/2010/main" xmlns:mc="http://schemas.openxmlformats.org/markup-compatibility/2006" xmlns:p14="http://schemas.microsoft.com/office/powerpoint/2010/main" xmlns:p15="http://schemas.microsoft.com/office/powerpoint/2012/main" xmlns:p159="http://schemas.microsoft.com/office/powerpoint/2015/09/main" xmlns:p="http://schemas.openxmlformats.org/presentationml/2006/main" type="title" preserve="1">
   <p:cSld name="Title Slide">
     <p:spTree>
       <p:nvGrpSpPr>
-        <p:cNvPr id="1" name=""/>
+        <p:cNvPr id="1" name="" title=""/>
         <p:cNvGrpSpPr/>
         <p:nvPr/>
       </p:nvGrpSpPr>
@@ -396,7 +396,7 @@
       </p:grpSpPr>
       <p:sp>
         <p:nvSpPr>
-          <p:cNvPr id="2" name="Title 1"/>
+          <p:cNvPr id="2" name="Title 1" title=""/>
           <p:cNvSpPr>
             <a:spLocks noGrp="1"/>
           </p:cNvSpPr>
@@ -419,7 +419,7 @@
       </p:sp>
       <p:sp>
         <p:nvSpPr>
-          <p:cNvPr id="3" name="Subtitle 2"/>
+          <p:cNvPr id="3" name="Subtitle 2" title=""/>
           <p:cNvSpPr>
             <a:spLocks noGrp="1"/>
           </p:cNvSpPr>
@@ -533,7 +533,7 @@
       </p:sp>
       <p:sp>
         <p:nvSpPr>
-          <p:cNvPr id="4" name="Date Placeholder 3"/>
+          <p:cNvPr id="4" name="Date Placeholder 3" title=""/>
           <p:cNvSpPr>
             <a:spLocks noGrp="1"/>
           </p:cNvSpPr>
@@ -546,7 +546,7 @@
           <a:bodyPr/>
           <a:lstStyle/>
           <a:p>
-            <a:fld id="{5CBACD45-CE64-40B6-BB0A-D7995BADF60A}" type="datetimeFigureOut">
+            <a:fld id="{74AC69EA-4885-413B-9DAB-4BD61930998C}" type="datetimeFigureOut">
               <a:rPr lang="en-US" smtClean="0"/>
               <a:t>11/7/2009</a:t>
             </a:fld>
@@ -556,7 +556,7 @@
       </p:sp>
       <p:sp>
         <p:nvSpPr>
-          <p:cNvPr id="5" name="Footer Placeholder 4"/>
+          <p:cNvPr id="5" name="Footer Placeholder 4" title=""/>
           <p:cNvSpPr>
             <a:spLocks noGrp="1"/>
           </p:cNvSpPr>
@@ -575,7 +575,7 @@
       </p:sp>
       <p:sp>
         <p:nvSpPr>
-          <p:cNvPr id="6" name="Slide Number Placeholder 5"/>
+          <p:cNvPr id="6" name="Slide Number Placeholder 5" title=""/>
           <p:cNvSpPr>
             <a:spLocks noGrp="1"/>
           </p:cNvSpPr>
@@ -607,11 +607,11 @@
 </file>
 
 <file path=ppt/slideLayouts/slideLayout10.xml><?xml version="1.0" encoding="utf-8"?>
-<p:sldLayout xmlns:a="http://schemas.openxmlformats.org/drawingml/2006/main" xmlns:r="http://schemas.openxmlformats.org/officeDocument/2006/relationships" xmlns:p14="http://schemas.microsoft.com/office/powerpoint/2010/main" xmlns:a14="http://schemas.microsoft.com/office/drawing/2010/main" xmlns:p15="http://schemas.microsoft.com/office/powerpoint/2012/main" xmlns:p159="http://schemas.microsoft.com/office/powerpoint/2015/09/main" xmlns:p="http://schemas.openxmlformats.org/presentationml/2006/main" type="vertTx" preserve="1">
+<p:sldLayout xmlns:a="http://schemas.openxmlformats.org/drawingml/2006/main" xmlns:r="http://schemas.openxmlformats.org/officeDocument/2006/relationships" xmlns:m="http://schemas.openxmlformats.org/officeDocument/2006/math" xmlns:w="http://schemas.openxmlformats.org/wordprocessingml/2006/main" xmlns:wp="http://schemas.openxmlformats.org/drawingml/2006/wordprocessingDrawing" xmlns:a14="http://schemas.microsoft.com/office/drawing/2010/main" xmlns:mc="http://schemas.openxmlformats.org/markup-compatibility/2006" xmlns:p14="http://schemas.microsoft.com/office/powerpoint/2010/main" xmlns:p15="http://schemas.microsoft.com/office/powerpoint/2012/main" xmlns:p159="http://schemas.microsoft.com/office/powerpoint/2015/09/main" xmlns:p="http://schemas.openxmlformats.org/presentationml/2006/main" type="vertTx" preserve="1">
   <p:cSld name="Title and Vertical Text">
     <p:spTree>
       <p:nvGrpSpPr>
-        <p:cNvPr id="1" name=""/>
+        <p:cNvPr id="1" name="" title=""/>
         <p:cNvGrpSpPr/>
         <p:nvPr/>
       </p:nvGrpSpPr>
@@ -623,7 +623,7 @@
       </p:grpSpPr>
       <p:sp>
         <p:nvSpPr>
-          <p:cNvPr id="2" name="Title 1"/>
+          <p:cNvPr id="2" name="Title 1" title=""/>
           <p:cNvSpPr>
             <a:spLocks noGrp="1"/>
           </p:cNvSpPr>
@@ -646,7 +646,7 @@
       </p:sp>
       <p:sp>
         <p:nvSpPr>
-          <p:cNvPr id="3" name="Vertical Text Placeholder 2"/>
+          <p:cNvPr id="3" name="Vertical Text Placeholder 2" title=""/>
           <p:cNvSpPr>
             <a:spLocks noGrp="1"/>
           </p:cNvSpPr>
@@ -697,7 +697,7 @@
       </p:sp>
       <p:sp>
         <p:nvSpPr>
-          <p:cNvPr id="4" name="Date Placeholder 3"/>
+          <p:cNvPr id="4" name="Date Placeholder 3" title=""/>
           <p:cNvSpPr>
             <a:spLocks noGrp="1"/>
           </p:cNvSpPr>
@@ -710,7 +710,7 @@
           <a:bodyPr/>
           <a:lstStyle/>
           <a:p>
-            <a:fld id="{780A6FBA-995F-4DB1-A1B5-95786F5EC11E}" type="datetimeFigureOut">
+            <a:fld id="{F4D5BB40-AE6F-4501-943A-1735DDFB2ACE}" type="datetimeFigureOut">
               <a:rPr lang="en-US" smtClean="0"/>
               <a:t>11/7/2009</a:t>
             </a:fld>
@@ -720,7 +720,7 @@
       </p:sp>
       <p:sp>
         <p:nvSpPr>
-          <p:cNvPr id="5" name="Footer Placeholder 4"/>
+          <p:cNvPr id="5" name="Footer Placeholder 4" title=""/>
           <p:cNvSpPr>
             <a:spLocks noGrp="1"/>
           </p:cNvSpPr>
@@ -739,7 +739,7 @@
       </p:sp>
       <p:sp>
         <p:nvSpPr>
-          <p:cNvPr id="6" name="Slide Number Placeholder 5"/>
+          <p:cNvPr id="6" name="Slide Number Placeholder 5" title=""/>
           <p:cNvSpPr>
             <a:spLocks noGrp="1"/>
           </p:cNvSpPr>
@@ -771,11 +771,11 @@
 </file>
 
 <file path=ppt/slideLayouts/slideLayout11.xml><?xml version="1.0" encoding="utf-8"?>
-<p:sldLayout xmlns:a="http://schemas.openxmlformats.org/drawingml/2006/main" xmlns:r="http://schemas.openxmlformats.org/officeDocument/2006/relationships" xmlns:p14="http://schemas.microsoft.com/office/powerpoint/2010/main" xmlns:a14="http://schemas.microsoft.com/office/drawing/2010/main" xmlns:p15="http://schemas.microsoft.com/office/powerpoint/2012/main" xmlns:p159="http://schemas.microsoft.com/office/powerpoint/2015/09/main" xmlns:p="http://schemas.openxmlformats.org/presentationml/2006/main" type="vertTitleAndTx" preserve="1">
+<p:sldLayout xmlns:a="http://schemas.openxmlformats.org/drawingml/2006/main" xmlns:r="http://schemas.openxmlformats.org/officeDocument/2006/relationships" xmlns:m="http://schemas.openxmlformats.org/officeDocument/2006/math" xmlns:w="http://schemas.openxmlformats.org/wordprocessingml/2006/main" xmlns:wp="http://schemas.openxmlformats.org/drawingml/2006/wordprocessingDrawing" xmlns:a14="http://schemas.microsoft.com/office/drawing/2010/main" xmlns:mc="http://schemas.openxmlformats.org/markup-compatibility/2006" xmlns:p14="http://schemas.microsoft.com/office/powerpoint/2010/main" xmlns:p15="http://schemas.microsoft.com/office/powerpoint/2012/main" xmlns:p159="http://schemas.microsoft.com/office/powerpoint/2015/09/main" xmlns:p="http://schemas.openxmlformats.org/presentationml/2006/main" type="vertTitleAndTx" preserve="1">
   <p:cSld name="Vertical Title and Text">
     <p:spTree>
       <p:nvGrpSpPr>
-        <p:cNvPr id="1" name=""/>
+        <p:cNvPr id="1" name="" title=""/>
         <p:cNvGrpSpPr/>
         <p:nvPr/>
       </p:nvGrpSpPr>
@@ -787,7 +787,7 @@
       </p:grpSpPr>
       <p:sp>
         <p:nvSpPr>
-          <p:cNvPr id="2" name="Vertical Title 1"/>
+          <p:cNvPr id="2" name="Vertical Title 1" title=""/>
           <p:cNvSpPr>
             <a:spLocks noGrp="1"/>
           </p:cNvSpPr>
@@ -810,7 +810,7 @@
       </p:sp>
       <p:sp>
         <p:nvSpPr>
-          <p:cNvPr id="3" name="Vertical Text Placeholder 2"/>
+          <p:cNvPr id="3" name="Vertical Text Placeholder 2" title=""/>
           <p:cNvSpPr>
             <a:spLocks noGrp="1"/>
           </p:cNvSpPr>
@@ -861,7 +861,7 @@
       </p:sp>
       <p:sp>
         <p:nvSpPr>
-          <p:cNvPr id="4" name="Date Placeholder 3"/>
+          <p:cNvPr id="4" name="Date Placeholder 3" title=""/>
           <p:cNvSpPr>
             <a:spLocks noGrp="1"/>
           </p:cNvSpPr>
@@ -874,7 +874,7 @@
           <a:bodyPr/>
           <a:lstStyle/>
           <a:p>
-            <a:fld id="{69F43780-F168-4E4C-8A39-FD21A055C173}" type="datetimeFigureOut">
+            <a:fld id="{A278DAD1-5350-4C20-B996-F888944484ED}" type="datetimeFigureOut">
               <a:rPr lang="en-US" smtClean="0"/>
               <a:t>11/7/2009</a:t>
             </a:fld>
@@ -884,7 +884,7 @@
       </p:sp>
       <p:sp>
         <p:nvSpPr>
-          <p:cNvPr id="5" name="Footer Placeholder 4"/>
+          <p:cNvPr id="5" name="Footer Placeholder 4" title=""/>
           <p:cNvSpPr>
             <a:spLocks noGrp="1"/>
           </p:cNvSpPr>
@@ -903,7 +903,7 @@
       </p:sp>
       <p:sp>
         <p:nvSpPr>
-          <p:cNvPr id="6" name="Slide Number Placeholder 5"/>
+          <p:cNvPr id="6" name="Slide Number Placeholder 5" title=""/>
           <p:cNvSpPr>
             <a:spLocks noGrp="1"/>
           </p:cNvSpPr>
@@ -935,11 +935,11 @@
 </file>
 
 <file path=ppt/slideLayouts/slideLayout2.xml><?xml version="1.0" encoding="utf-8"?>
-<p:sldLayout xmlns:a="http://schemas.openxmlformats.org/drawingml/2006/main" xmlns:r="http://schemas.openxmlformats.org/officeDocument/2006/relationships" xmlns:p14="http://schemas.microsoft.com/office/powerpoint/2010/main" xmlns:a14="http://schemas.microsoft.com/office/drawing/2010/main" xmlns:p15="http://schemas.microsoft.com/office/powerpoint/2012/main" xmlns:p159="http://schemas.microsoft.com/office/powerpoint/2015/09/main" xmlns:p="http://schemas.openxmlformats.org/presentationml/2006/main" type="obj" preserve="1">
+<p:sldLayout xmlns:a="http://schemas.openxmlformats.org/drawingml/2006/main" xmlns:r="http://schemas.openxmlformats.org/officeDocument/2006/relationships" xmlns:m="http://schemas.openxmlformats.org/officeDocument/2006/math" xmlns:w="http://schemas.openxmlformats.org/wordprocessingml/2006/main" xmlns:wp="http://schemas.openxmlformats.org/drawingml/2006/wordprocessingDrawing" xmlns:a14="http://schemas.microsoft.com/office/drawing/2010/main" xmlns:mc="http://schemas.openxmlformats.org/markup-compatibility/2006" xmlns:p14="http://schemas.microsoft.com/office/powerpoint/2010/main" xmlns:p15="http://schemas.microsoft.com/office/powerpoint/2012/main" xmlns:p159="http://schemas.microsoft.com/office/powerpoint/2015/09/main" xmlns:p="http://schemas.openxmlformats.org/presentationml/2006/main" type="obj" preserve="1">
   <p:cSld name="Title and Content">
     <p:spTree>
       <p:nvGrpSpPr>
-        <p:cNvPr id="1" name=""/>
+        <p:cNvPr id="1" name="" title=""/>
         <p:cNvGrpSpPr/>
         <p:nvPr/>
       </p:nvGrpSpPr>
@@ -951,7 +951,7 @@
       </p:grpSpPr>
       <p:sp>
         <p:nvSpPr>
-          <p:cNvPr id="2" name="Title 1"/>
+          <p:cNvPr id="2" name="Title 1" title=""/>
           <p:cNvSpPr>
             <a:spLocks noGrp="1"/>
           </p:cNvSpPr>
@@ -974,7 +974,7 @@
       </p:sp>
       <p:sp>
         <p:nvSpPr>
-          <p:cNvPr id="3" name="Content Placeholder 2"/>
+          <p:cNvPr id="3" name="Content Placeholder 2" title=""/>
           <p:cNvSpPr>
             <a:spLocks noGrp="1"/>
           </p:cNvSpPr>
@@ -1025,7 +1025,7 @@
       </p:sp>
       <p:sp>
         <p:nvSpPr>
-          <p:cNvPr id="4" name="Date Placeholder 3"/>
+          <p:cNvPr id="4" name="Date Placeholder 3" title=""/>
           <p:cNvSpPr>
             <a:spLocks noGrp="1"/>
           </p:cNvSpPr>
@@ -1038,7 +1038,7 @@
           <a:bodyPr/>
           <a:lstStyle/>
           <a:p>
-            <a:fld id="{1CD972F7-9D9C-4C34-A053-0F0BE4BB78A8}" type="datetimeFigureOut">
+            <a:fld id="{87262534-00B8-407C-968A-AFE9D6CF4A6C}" type="datetimeFigureOut">
               <a:rPr lang="en-US" smtClean="0"/>
               <a:t>11/7/2009</a:t>
             </a:fld>
@@ -1048,7 +1048,7 @@
       </p:sp>
       <p:sp>
         <p:nvSpPr>
-          <p:cNvPr id="5" name="Footer Placeholder 4"/>
+          <p:cNvPr id="5" name="Footer Placeholder 4" title=""/>
           <p:cNvSpPr>
             <a:spLocks noGrp="1"/>
           </p:cNvSpPr>
@@ -1067,7 +1067,7 @@
       </p:sp>
       <p:sp>
         <p:nvSpPr>
-          <p:cNvPr id="6" name="Slide Number Placeholder 5"/>
+          <p:cNvPr id="6" name="Slide Number Placeholder 5" title=""/>
           <p:cNvSpPr>
             <a:spLocks noGrp="1"/>
           </p:cNvSpPr>
@@ -1099,11 +1099,11 @@
 </file>
 
 <file path=ppt/slideLayouts/slideLayout3.xml><?xml version="1.0" encoding="utf-8"?>
-<p:sldLayout xmlns:a="http://schemas.openxmlformats.org/drawingml/2006/main" xmlns:r="http://schemas.openxmlformats.org/officeDocument/2006/relationships" xmlns:p14="http://schemas.microsoft.com/office/powerpoint/2010/main" xmlns:a14="http://schemas.microsoft.com/office/drawing/2010/main" xmlns:p15="http://schemas.microsoft.com/office/powerpoint/2012/main" xmlns:p159="http://schemas.microsoft.com/office/powerpoint/2015/09/main" xmlns:p="http://schemas.openxmlformats.org/presentationml/2006/main" type="secHead" preserve="1">
+<p:sldLayout xmlns:a="http://schemas.openxmlformats.org/drawingml/2006/main" xmlns:r="http://schemas.openxmlformats.org/officeDocument/2006/relationships" xmlns:m="http://schemas.openxmlformats.org/officeDocument/2006/math" xmlns:w="http://schemas.openxmlformats.org/wordprocessingml/2006/main" xmlns:wp="http://schemas.openxmlformats.org/drawingml/2006/wordprocessingDrawing" xmlns:a14="http://schemas.microsoft.com/office/drawing/2010/main" xmlns:mc="http://schemas.openxmlformats.org/markup-compatibility/2006" xmlns:p14="http://schemas.microsoft.com/office/powerpoint/2010/main" xmlns:p15="http://schemas.microsoft.com/office/powerpoint/2012/main" xmlns:p159="http://schemas.microsoft.com/office/powerpoint/2015/09/main" xmlns:p="http://schemas.openxmlformats.org/presentationml/2006/main" type="secHead" preserve="1">
   <p:cSld name="Section Header">
     <p:spTree>
       <p:nvGrpSpPr>
-        <p:cNvPr id="1" name=""/>
+        <p:cNvPr id="1" name="" title=""/>
         <p:cNvGrpSpPr/>
         <p:nvPr/>
       </p:nvGrpSpPr>
@@ -1115,7 +1115,7 @@
       </p:grpSpPr>
       <p:sp>
         <p:nvSpPr>
-          <p:cNvPr id="2" name="Title 1"/>
+          <p:cNvPr id="2" name="Title 1" title=""/>
           <p:cNvSpPr>
             <a:spLocks noGrp="1"/>
           </p:cNvSpPr>
@@ -1142,7 +1142,7 @@
       </p:sp>
       <p:sp>
         <p:nvSpPr>
-          <p:cNvPr id="3" name="Text Placeholder 2"/>
+          <p:cNvPr id="3" name="Text Placeholder 2" title=""/>
           <p:cNvSpPr>
             <a:spLocks noGrp="1"/>
           </p:cNvSpPr>
@@ -1255,7 +1255,7 @@
       </p:sp>
       <p:sp>
         <p:nvSpPr>
-          <p:cNvPr id="4" name="Date Placeholder 3"/>
+          <p:cNvPr id="4" name="Date Placeholder 3" title=""/>
           <p:cNvSpPr>
             <a:spLocks noGrp="1"/>
           </p:cNvSpPr>
@@ -1268,7 +1268,7 @@
           <a:bodyPr/>
           <a:lstStyle/>
           <a:p>
-            <a:fld id="{41378024-9F36-4109-B48C-614C2FCC9143}" type="datetimeFigureOut">
+            <a:fld id="{E96DD607-1D43-41C6-A329-2F784A999D0C}" type="datetimeFigureOut">
               <a:rPr lang="en-US" smtClean="0"/>
               <a:t>11/7/2009</a:t>
             </a:fld>
@@ -1278,7 +1278,7 @@
       </p:sp>
       <p:sp>
         <p:nvSpPr>
-          <p:cNvPr id="5" name="Footer Placeholder 4"/>
+          <p:cNvPr id="5" name="Footer Placeholder 4" title=""/>
           <p:cNvSpPr>
             <a:spLocks noGrp="1"/>
           </p:cNvSpPr>
@@ -1297,7 +1297,7 @@
       </p:sp>
       <p:sp>
         <p:nvSpPr>
-          <p:cNvPr id="6" name="Slide Number Placeholder 5"/>
+          <p:cNvPr id="6" name="Slide Number Placeholder 5" title=""/>
           <p:cNvSpPr>
             <a:spLocks noGrp="1"/>
           </p:cNvSpPr>
@@ -1329,11 +1329,11 @@
 </file>
 
 <file path=ppt/slideLayouts/slideLayout4.xml><?xml version="1.0" encoding="utf-8"?>
-<p:sldLayout xmlns:a="http://schemas.openxmlformats.org/drawingml/2006/main" xmlns:r="http://schemas.openxmlformats.org/officeDocument/2006/relationships" xmlns:p14="http://schemas.microsoft.com/office/powerpoint/2010/main" xmlns:a14="http://schemas.microsoft.com/office/drawing/2010/main" xmlns:p15="http://schemas.microsoft.com/office/powerpoint/2012/main" xmlns:p159="http://schemas.microsoft.com/office/powerpoint/2015/09/main" xmlns:p="http://schemas.openxmlformats.org/presentationml/2006/main" type="twoObj" preserve="1">
+<p:sldLayout xmlns:a="http://schemas.openxmlformats.org/drawingml/2006/main" xmlns:r="http://schemas.openxmlformats.org/officeDocument/2006/relationships" xmlns:m="http://schemas.openxmlformats.org/officeDocument/2006/math" xmlns:w="http://schemas.openxmlformats.org/wordprocessingml/2006/main" xmlns:wp="http://schemas.openxmlformats.org/drawingml/2006/wordprocessingDrawing" xmlns:a14="http://schemas.microsoft.com/office/drawing/2010/main" xmlns:mc="http://schemas.openxmlformats.org/markup-compatibility/2006" xmlns:p14="http://schemas.microsoft.com/office/powerpoint/2010/main" xmlns:p15="http://schemas.microsoft.com/office/powerpoint/2012/main" xmlns:p159="http://schemas.microsoft.com/office/powerpoint/2015/09/main" xmlns:p="http://schemas.openxmlformats.org/presentationml/2006/main" type="twoObj" preserve="1">
   <p:cSld name="Two Content">
     <p:spTree>
       <p:nvGrpSpPr>
-        <p:cNvPr id="1" name=""/>
+        <p:cNvPr id="1" name="" title=""/>
         <p:cNvGrpSpPr/>
         <p:nvPr/>
       </p:nvGrpSpPr>
@@ -1345,7 +1345,7 @@
       </p:grpSpPr>
       <p:sp>
         <p:nvSpPr>
-          <p:cNvPr id="2" name="Title 1"/>
+          <p:cNvPr id="2" name="Title 1" title=""/>
           <p:cNvSpPr>
             <a:spLocks noGrp="1"/>
           </p:cNvSpPr>
@@ -1368,7 +1368,7 @@
       </p:sp>
       <p:sp>
         <p:nvSpPr>
-          <p:cNvPr id="3" name="Content Placeholder 2"/>
+          <p:cNvPr id="3" name="Content Placeholder 2" title=""/>
           <p:cNvSpPr>
             <a:spLocks noGrp="1"/>
           </p:cNvSpPr>
@@ -1447,7 +1447,7 @@
       </p:sp>
       <p:sp>
         <p:nvSpPr>
-          <p:cNvPr id="4" name="Content Placeholder 3"/>
+          <p:cNvPr id="4" name="Content Placeholder 3" title=""/>
           <p:cNvSpPr>
             <a:spLocks noGrp="1"/>
           </p:cNvSpPr>
@@ -1526,7 +1526,7 @@
       </p:sp>
       <p:sp>
         <p:nvSpPr>
-          <p:cNvPr id="5" name="Date Placeholder 4"/>
+          <p:cNvPr id="5" name="Date Placeholder 4" title=""/>
           <p:cNvSpPr>
             <a:spLocks noGrp="1"/>
           </p:cNvSpPr>
@@ -1539,7 +1539,7 @@
           <a:bodyPr/>
           <a:lstStyle/>
           <a:p>
-            <a:fld id="{A4F0FB0F-A428-417E-A456-DC08BCD6D456}" type="datetimeFigureOut">
+            <a:fld id="{30BE0B2E-B2BA-4284-B7D0-404D729E1745}" type="datetimeFigureOut">
               <a:rPr lang="en-US" smtClean="0"/>
               <a:t>11/7/2009</a:t>
             </a:fld>
@@ -1549,7 +1549,7 @@
       </p:sp>
       <p:sp>
         <p:nvSpPr>
-          <p:cNvPr id="6" name="Footer Placeholder 5"/>
+          <p:cNvPr id="6" name="Footer Placeholder 5" title=""/>
           <p:cNvSpPr>
             <a:spLocks noGrp="1"/>
           </p:cNvSpPr>
@@ -1568,7 +1568,7 @@
       </p:sp>
       <p:sp>
         <p:nvSpPr>
-          <p:cNvPr id="7" name="Slide Number Placeholder 6"/>
+          <p:cNvPr id="7" name="Slide Number Placeholder 6" title=""/>
           <p:cNvSpPr>
             <a:spLocks noGrp="1"/>
           </p:cNvSpPr>
@@ -1600,11 +1600,11 @@
 </file>
 
 <file path=ppt/slideLayouts/slideLayout5.xml><?xml version="1.0" encoding="utf-8"?>
-<p:sldLayout xmlns:a="http://schemas.openxmlformats.org/drawingml/2006/main" xmlns:r="http://schemas.openxmlformats.org/officeDocument/2006/relationships" xmlns:p14="http://schemas.microsoft.com/office/powerpoint/2010/main" xmlns:a14="http://schemas.microsoft.com/office/drawing/2010/main" xmlns:p15="http://schemas.microsoft.com/office/powerpoint/2012/main" xmlns:p159="http://schemas.microsoft.com/office/powerpoint/2015/09/main" xmlns:p="http://schemas.openxmlformats.org/presentationml/2006/main" type="twoTxTwoObj" preserve="1">
+<p:sldLayout xmlns:a="http://schemas.openxmlformats.org/drawingml/2006/main" xmlns:r="http://schemas.openxmlformats.org/officeDocument/2006/relationships" xmlns:m="http://schemas.openxmlformats.org/officeDocument/2006/math" xmlns:w="http://schemas.openxmlformats.org/wordprocessingml/2006/main" xmlns:wp="http://schemas.openxmlformats.org/drawingml/2006/wordprocessingDrawing" xmlns:a14="http://schemas.microsoft.com/office/drawing/2010/main" xmlns:mc="http://schemas.openxmlformats.org/markup-compatibility/2006" xmlns:p14="http://schemas.microsoft.com/office/powerpoint/2010/main" xmlns:p15="http://schemas.microsoft.com/office/powerpoint/2012/main" xmlns:p159="http://schemas.microsoft.com/office/powerpoint/2015/09/main" xmlns:p="http://schemas.openxmlformats.org/presentationml/2006/main" type="twoTxTwoObj" preserve="1">
   <p:cSld name="Comparison">
     <p:spTree>
       <p:nvGrpSpPr>
-        <p:cNvPr id="1" name=""/>
+        <p:cNvPr id="1" name="" title=""/>
         <p:cNvGrpSpPr/>
         <p:nvPr/>
       </p:nvGrpSpPr>
@@ -1616,7 +1616,7 @@
       </p:grpSpPr>
       <p:sp>
         <p:nvSpPr>
-          <p:cNvPr id="2" name="Title 1"/>
+          <p:cNvPr id="2" name="Title 1" title=""/>
           <p:cNvSpPr>
             <a:spLocks noGrp="1"/>
           </p:cNvSpPr>
@@ -1639,7 +1639,7 @@
       </p:sp>
       <p:sp>
         <p:nvSpPr>
-          <p:cNvPr id="3" name="Text Placeholder 2"/>
+          <p:cNvPr id="3" name="Text Placeholder 2" title=""/>
           <p:cNvSpPr>
             <a:spLocks noGrp="1"/>
           </p:cNvSpPr>
@@ -1698,7 +1698,7 @@
       </p:sp>
       <p:sp>
         <p:nvSpPr>
-          <p:cNvPr id="4" name="Content Placeholder 3"/>
+          <p:cNvPr id="4" name="Content Placeholder 3" title=""/>
           <p:cNvSpPr>
             <a:spLocks noGrp="1"/>
           </p:cNvSpPr>
@@ -1777,7 +1777,7 @@
       </p:sp>
       <p:sp>
         <p:nvSpPr>
-          <p:cNvPr id="5" name="Text Placeholder 4"/>
+          <p:cNvPr id="5" name="Text Placeholder 4" title=""/>
           <p:cNvSpPr>
             <a:spLocks noGrp="1"/>
           </p:cNvSpPr>
@@ -1836,7 +1836,7 @@
       </p:sp>
       <p:sp>
         <p:nvSpPr>
-          <p:cNvPr id="6" name="Content Placeholder 5"/>
+          <p:cNvPr id="6" name="Content Placeholder 5" title=""/>
           <p:cNvSpPr>
             <a:spLocks noGrp="1"/>
           </p:cNvSpPr>
@@ -1915,7 +1915,7 @@
       </p:sp>
       <p:sp>
         <p:nvSpPr>
-          <p:cNvPr id="7" name="Date Placeholder 6"/>
+          <p:cNvPr id="7" name="Date Placeholder 6" title=""/>
           <p:cNvSpPr>
             <a:spLocks noGrp="1"/>
           </p:cNvSpPr>
@@ -1928,7 +1928,7 @@
           <a:bodyPr/>
           <a:lstStyle/>
           <a:p>
-            <a:fld id="{3BC1088E-34E5-4F42-B387-A891C7EBF1DF}" type="datetimeFigureOut">
+            <a:fld id="{ECF502A0-82A0-41E8-9364-75B2B71A31C2}" type="datetimeFigureOut">
               <a:rPr lang="en-US" smtClean="0"/>
               <a:t>11/7/2009</a:t>
             </a:fld>
@@ -1938,7 +1938,7 @@
       </p:sp>
       <p:sp>
         <p:nvSpPr>
-          <p:cNvPr id="8" name="Footer Placeholder 7"/>
+          <p:cNvPr id="8" name="Footer Placeholder 7" title=""/>
           <p:cNvSpPr>
             <a:spLocks noGrp="1"/>
           </p:cNvSpPr>
@@ -1957,7 +1957,7 @@
       </p:sp>
       <p:sp>
         <p:nvSpPr>
-          <p:cNvPr id="9" name="Slide Number Placeholder 8"/>
+          <p:cNvPr id="9" name="Slide Number Placeholder 8" title=""/>
           <p:cNvSpPr>
             <a:spLocks noGrp="1"/>
           </p:cNvSpPr>
@@ -1989,11 +1989,11 @@
 </file>
 
 <file path=ppt/slideLayouts/slideLayout6.xml><?xml version="1.0" encoding="utf-8"?>
-<p:sldLayout xmlns:a="http://schemas.openxmlformats.org/drawingml/2006/main" xmlns:r="http://schemas.openxmlformats.org/officeDocument/2006/relationships" xmlns:p14="http://schemas.microsoft.com/office/powerpoint/2010/main" xmlns:a14="http://schemas.microsoft.com/office/drawing/2010/main" xmlns:p15="http://schemas.microsoft.com/office/powerpoint/2012/main" xmlns:p159="http://schemas.microsoft.com/office/powerpoint/2015/09/main" xmlns:p="http://schemas.openxmlformats.org/presentationml/2006/main" type="titleOnly" preserve="1">
+<p:sldLayout xmlns:a="http://schemas.openxmlformats.org/drawingml/2006/main" xmlns:r="http://schemas.openxmlformats.org/officeDocument/2006/relationships" xmlns:m="http://schemas.openxmlformats.org/officeDocument/2006/math" xmlns:w="http://schemas.openxmlformats.org/wordprocessingml/2006/main" xmlns:wp="http://schemas.openxmlformats.org/drawingml/2006/wordprocessingDrawing" xmlns:a14="http://schemas.microsoft.com/office/drawing/2010/main" xmlns:mc="http://schemas.openxmlformats.org/markup-compatibility/2006" xmlns:p14="http://schemas.microsoft.com/office/powerpoint/2010/main" xmlns:p15="http://schemas.microsoft.com/office/powerpoint/2012/main" xmlns:p159="http://schemas.microsoft.com/office/powerpoint/2015/09/main" xmlns:p="http://schemas.openxmlformats.org/presentationml/2006/main" type="titleOnly" preserve="1">
   <p:cSld name="Title Only">
     <p:spTree>
       <p:nvGrpSpPr>
-        <p:cNvPr id="1" name=""/>
+        <p:cNvPr id="1" name="" title=""/>
         <p:cNvGrpSpPr/>
         <p:nvPr/>
       </p:nvGrpSpPr>
@@ -2005,7 +2005,7 @@
       </p:grpSpPr>
       <p:sp>
         <p:nvSpPr>
-          <p:cNvPr id="2" name="Title 1"/>
+          <p:cNvPr id="2" name="Title 1" title=""/>
           <p:cNvSpPr>
             <a:spLocks noGrp="1"/>
           </p:cNvSpPr>
@@ -2028,7 +2028,7 @@
       </p:sp>
       <p:sp>
         <p:nvSpPr>
-          <p:cNvPr id="3" name="Date Placeholder 2"/>
+          <p:cNvPr id="3" name="Date Placeholder 2" title=""/>
           <p:cNvSpPr>
             <a:spLocks noGrp="1"/>
           </p:cNvSpPr>
@@ -2041,7 +2041,7 @@
           <a:bodyPr/>
           <a:lstStyle/>
           <a:p>
-            <a:fld id="{C61EEF92-DBD1-4C03-ACE9-F8CC6A191847}" type="datetimeFigureOut">
+            <a:fld id="{791F9AB0-6158-4041-8CE0-8AB3DC55E7DF}" type="datetimeFigureOut">
               <a:rPr lang="en-US" smtClean="0"/>
               <a:t>11/7/2009</a:t>
             </a:fld>
@@ -2051,7 +2051,7 @@
       </p:sp>
       <p:sp>
         <p:nvSpPr>
-          <p:cNvPr id="4" name="Footer Placeholder 3"/>
+          <p:cNvPr id="4" name="Footer Placeholder 3" title=""/>
           <p:cNvSpPr>
             <a:spLocks noGrp="1"/>
           </p:cNvSpPr>
@@ -2070,7 +2070,7 @@
       </p:sp>
       <p:sp>
         <p:nvSpPr>
-          <p:cNvPr id="5" name="Slide Number Placeholder 4"/>
+          <p:cNvPr id="5" name="Slide Number Placeholder 4" title=""/>
           <p:cNvSpPr>
             <a:spLocks noGrp="1"/>
           </p:cNvSpPr>
@@ -2102,11 +2102,11 @@
 </file>
 
 <file path=ppt/slideLayouts/slideLayout7.xml><?xml version="1.0" encoding="utf-8"?>
-<p:sldLayout xmlns:a="http://schemas.openxmlformats.org/drawingml/2006/main" xmlns:r="http://schemas.openxmlformats.org/officeDocument/2006/relationships" xmlns:p14="http://schemas.microsoft.com/office/powerpoint/2010/main" xmlns:a14="http://schemas.microsoft.com/office/drawing/2010/main" xmlns:p15="http://schemas.microsoft.com/office/powerpoint/2012/main" xmlns:p159="http://schemas.microsoft.com/office/powerpoint/2015/09/main" xmlns:p="http://schemas.openxmlformats.org/presentationml/2006/main" type="blank" preserve="1">
+<p:sldLayout xmlns:a="http://schemas.openxmlformats.org/drawingml/2006/main" xmlns:r="http://schemas.openxmlformats.org/officeDocument/2006/relationships" xmlns:m="http://schemas.openxmlformats.org/officeDocument/2006/math" xmlns:w="http://schemas.openxmlformats.org/wordprocessingml/2006/main" xmlns:wp="http://schemas.openxmlformats.org/drawingml/2006/wordprocessingDrawing" xmlns:a14="http://schemas.microsoft.com/office/drawing/2010/main" xmlns:mc="http://schemas.openxmlformats.org/markup-compatibility/2006" xmlns:p14="http://schemas.microsoft.com/office/powerpoint/2010/main" xmlns:p15="http://schemas.microsoft.com/office/powerpoint/2012/main" xmlns:p159="http://schemas.microsoft.com/office/powerpoint/2015/09/main" xmlns:p="http://schemas.openxmlformats.org/presentationml/2006/main" type="blank" preserve="1">
   <p:cSld name="Blank">
     <p:spTree>
       <p:nvGrpSpPr>
-        <p:cNvPr id="1" name=""/>
+        <p:cNvPr id="1" name="" title=""/>
         <p:cNvGrpSpPr/>
         <p:nvPr/>
       </p:nvGrpSpPr>
@@ -2118,7 +2118,7 @@
       </p:grpSpPr>
       <p:sp>
         <p:nvSpPr>
-          <p:cNvPr id="2" name="Date Placeholder 1"/>
+          <p:cNvPr id="2" name="Date Placeholder 1" title=""/>
           <p:cNvSpPr>
             <a:spLocks noGrp="1"/>
           </p:cNvSpPr>
@@ -2131,7 +2131,7 @@
           <a:bodyPr/>
           <a:lstStyle/>
           <a:p>
-            <a:fld id="{9776DD36-C8EF-481A-A7C4-96BD38B31E81}" type="datetimeFigureOut">
+            <a:fld id="{276DB60E-1B82-4F5C-A4B1-DBCE8B4BBCE0}" type="datetimeFigureOut">
               <a:rPr lang="en-US" smtClean="0"/>
               <a:t>11/7/2009</a:t>
             </a:fld>
@@ -2141,7 +2141,7 @@
       </p:sp>
       <p:sp>
         <p:nvSpPr>
-          <p:cNvPr id="3" name="Footer Placeholder 2"/>
+          <p:cNvPr id="3" name="Footer Placeholder 2" title=""/>
           <p:cNvSpPr>
             <a:spLocks noGrp="1"/>
           </p:cNvSpPr>
@@ -2160,7 +2160,7 @@
       </p:sp>
       <p:sp>
         <p:nvSpPr>
-          <p:cNvPr id="4" name="Slide Number Placeholder 3"/>
+          <p:cNvPr id="4" name="Slide Number Placeholder 3" title=""/>
           <p:cNvSpPr>
             <a:spLocks noGrp="1"/>
           </p:cNvSpPr>
@@ -2192,11 +2192,11 @@
 </file>
 
 <file path=ppt/slideLayouts/slideLayout8.xml><?xml version="1.0" encoding="utf-8"?>
-<p:sldLayout xmlns:a="http://schemas.openxmlformats.org/drawingml/2006/main" xmlns:r="http://schemas.openxmlformats.org/officeDocument/2006/relationships" xmlns:p14="http://schemas.microsoft.com/office/powerpoint/2010/main" xmlns:a14="http://schemas.microsoft.com/office/drawing/2010/main" xmlns:p15="http://schemas.microsoft.com/office/powerpoint/2012/main" xmlns:p159="http://schemas.microsoft.com/office/powerpoint/2015/09/main" xmlns:p="http://schemas.openxmlformats.org/presentationml/2006/main" type="objTx" preserve="1">
+<p:sldLayout xmlns:a="http://schemas.openxmlformats.org/drawingml/2006/main" xmlns:r="http://schemas.openxmlformats.org/officeDocument/2006/relationships" xmlns:m="http://schemas.openxmlformats.org/officeDocument/2006/math" xmlns:w="http://schemas.openxmlformats.org/wordprocessingml/2006/main" xmlns:wp="http://schemas.openxmlformats.org/drawingml/2006/wordprocessingDrawing" xmlns:a14="http://schemas.microsoft.com/office/drawing/2010/main" xmlns:mc="http://schemas.openxmlformats.org/markup-compatibility/2006" xmlns:p14="http://schemas.microsoft.com/office/powerpoint/2010/main" xmlns:p15="http://schemas.microsoft.com/office/powerpoint/2012/main" xmlns:p159="http://schemas.microsoft.com/office/powerpoint/2015/09/main" xmlns:p="http://schemas.openxmlformats.org/presentationml/2006/main" type="objTx" preserve="1">
   <p:cSld name="Content with Caption">
     <p:spTree>
       <p:nvGrpSpPr>
-        <p:cNvPr id="1" name=""/>
+        <p:cNvPr id="1" name="" title=""/>
         <p:cNvGrpSpPr/>
         <p:nvPr/>
       </p:nvGrpSpPr>
@@ -2208,7 +2208,7 @@
       </p:grpSpPr>
       <p:sp>
         <p:nvSpPr>
-          <p:cNvPr id="2" name="Title 1"/>
+          <p:cNvPr id="2" name="Title 1" title=""/>
           <p:cNvSpPr>
             <a:spLocks noGrp="1"/>
           </p:cNvSpPr>
@@ -2235,7 +2235,7 @@
       </p:sp>
       <p:sp>
         <p:nvSpPr>
-          <p:cNvPr id="3" name="Content Placeholder 2"/>
+          <p:cNvPr id="3" name="Content Placeholder 2" title=""/>
           <p:cNvSpPr>
             <a:spLocks noGrp="1"/>
           </p:cNvSpPr>
@@ -2314,7 +2314,7 @@
       </p:sp>
       <p:sp>
         <p:nvSpPr>
-          <p:cNvPr id="4" name="Text Placeholder 3"/>
+          <p:cNvPr id="4" name="Text Placeholder 3" title=""/>
           <p:cNvSpPr>
             <a:spLocks noGrp="1"/>
           </p:cNvSpPr>
@@ -2373,7 +2373,7 @@
       </p:sp>
       <p:sp>
         <p:nvSpPr>
-          <p:cNvPr id="5" name="Date Placeholder 4"/>
+          <p:cNvPr id="5" name="Date Placeholder 4" title=""/>
           <p:cNvSpPr>
             <a:spLocks noGrp="1"/>
           </p:cNvSpPr>
@@ -2386,7 +2386,7 @@
           <a:bodyPr/>
           <a:lstStyle/>
           <a:p>
-            <a:fld id="{FCACBDAD-37ED-4154-8660-57E43404F98E}" type="datetimeFigureOut">
+            <a:fld id="{5D0C56C3-5BF3-42AE-B860-575062516AB6}" type="datetimeFigureOut">
               <a:rPr lang="en-US" smtClean="0"/>
               <a:t>11/7/2009</a:t>
             </a:fld>
@@ -2396,7 +2396,7 @@
       </p:sp>
       <p:sp>
         <p:nvSpPr>
-          <p:cNvPr id="6" name="Footer Placeholder 5"/>
+          <p:cNvPr id="6" name="Footer Placeholder 5" title=""/>
           <p:cNvSpPr>
             <a:spLocks noGrp="1"/>
           </p:cNvSpPr>
@@ -2415,7 +2415,7 @@
       </p:sp>
       <p:sp>
         <p:nvSpPr>
-          <p:cNvPr id="7" name="Slide Number Placeholder 6"/>
+          <p:cNvPr id="7" name="Slide Number Placeholder 6" title=""/>
           <p:cNvSpPr>
             <a:spLocks noGrp="1"/>
           </p:cNvSpPr>
@@ -2447,11 +2447,11 @@
 </file>
 
 <file path=ppt/slideLayouts/slideLayout9.xml><?xml version="1.0" encoding="utf-8"?>
-<p:sldLayout xmlns:a="http://schemas.openxmlformats.org/drawingml/2006/main" xmlns:r="http://schemas.openxmlformats.org/officeDocument/2006/relationships" xmlns:p14="http://schemas.microsoft.com/office/powerpoint/2010/main" xmlns:a14="http://schemas.microsoft.com/office/drawing/2010/main" xmlns:p15="http://schemas.microsoft.com/office/powerpoint/2012/main" xmlns:p159="http://schemas.microsoft.com/office/powerpoint/2015/09/main" xmlns:p="http://schemas.openxmlformats.org/presentationml/2006/main" type="picTx" preserve="1">
+<p:sldLayout xmlns:a="http://schemas.openxmlformats.org/drawingml/2006/main" xmlns:r="http://schemas.openxmlformats.org/officeDocument/2006/relationships" xmlns:m="http://schemas.openxmlformats.org/officeDocument/2006/math" xmlns:w="http://schemas.openxmlformats.org/wordprocessingml/2006/main" xmlns:wp="http://schemas.openxmlformats.org/drawingml/2006/wordprocessingDrawing" xmlns:a14="http://schemas.microsoft.com/office/drawing/2010/main" xmlns:mc="http://schemas.openxmlformats.org/markup-compatibility/2006" xmlns:p14="http://schemas.microsoft.com/office/powerpoint/2010/main" xmlns:p15="http://schemas.microsoft.com/office/powerpoint/2012/main" xmlns:p159="http://schemas.microsoft.com/office/powerpoint/2015/09/main" xmlns:p="http://schemas.openxmlformats.org/presentationml/2006/main" type="picTx" preserve="1">
   <p:cSld name="Picture with Caption">
     <p:spTree>
       <p:nvGrpSpPr>
-        <p:cNvPr id="1" name=""/>
+        <p:cNvPr id="1" name="" title=""/>
         <p:cNvGrpSpPr/>
         <p:nvPr/>
       </p:nvGrpSpPr>
@@ -2463,7 +2463,7 @@
       </p:grpSpPr>
       <p:sp>
         <p:nvSpPr>
-          <p:cNvPr id="2" name="Title 1"/>
+          <p:cNvPr id="2" name="Title 1" title=""/>
           <p:cNvSpPr>
             <a:spLocks noGrp="1"/>
           </p:cNvSpPr>
@@ -2490,7 +2490,7 @@
       </p:sp>
       <p:sp>
         <p:nvSpPr>
-          <p:cNvPr id="3" name="Picture Placeholder 2"/>
+          <p:cNvPr id="3" name="Picture Placeholder 2" title=""/>
           <p:cNvSpPr>
             <a:spLocks noGrp="1"/>
           </p:cNvSpPr>
@@ -2546,7 +2546,7 @@
       </p:sp>
       <p:sp>
         <p:nvSpPr>
-          <p:cNvPr id="4" name="Text Placeholder 3"/>
+          <p:cNvPr id="4" name="Text Placeholder 3" title=""/>
           <p:cNvSpPr>
             <a:spLocks noGrp="1"/>
           </p:cNvSpPr>
@@ -2605,7 +2605,7 @@
       </p:sp>
       <p:sp>
         <p:nvSpPr>
-          <p:cNvPr id="5" name="Date Placeholder 4"/>
+          <p:cNvPr id="5" name="Date Placeholder 4" title=""/>
           <p:cNvSpPr>
             <a:spLocks noGrp="1"/>
           </p:cNvSpPr>
@@ -2618,7 +2618,7 @@
           <a:bodyPr/>
           <a:lstStyle/>
           <a:p>
-            <a:fld id="{240859D6-8610-4F88-81D0-D95BF6816186}" type="datetimeFigureOut">
+            <a:fld id="{47D47D1B-79C1-4503-B221-4601CB8E0E94}" type="datetimeFigureOut">
               <a:rPr lang="en-US" smtClean="0"/>
               <a:t>11/7/2009</a:t>
             </a:fld>
@@ -2628,7 +2628,7 @@
       </p:sp>
       <p:sp>
         <p:nvSpPr>
-          <p:cNvPr id="6" name="Footer Placeholder 5"/>
+          <p:cNvPr id="6" name="Footer Placeholder 5" title=""/>
           <p:cNvSpPr>
             <a:spLocks noGrp="1"/>
           </p:cNvSpPr>
@@ -2647,7 +2647,7 @@
       </p:sp>
       <p:sp>
         <p:nvSpPr>
-          <p:cNvPr id="7" name="Slide Number Placeholder 6"/>
+          <p:cNvPr id="7" name="Slide Number Placeholder 6" title=""/>
           <p:cNvSpPr>
             <a:spLocks noGrp="1"/>
           </p:cNvSpPr>
@@ -2679,7 +2679,7 @@
 </file>
 
 <file path=ppt/slideMasters/slideMaster1.xml><?xml version="1.0" encoding="utf-8"?>
-<p:sldMaster xmlns:a="http://schemas.openxmlformats.org/drawingml/2006/main" xmlns:r="http://schemas.openxmlformats.org/officeDocument/2006/relationships" xmlns:p14="http://schemas.microsoft.com/office/powerpoint/2010/main" xmlns:a14="http://schemas.microsoft.com/office/drawing/2010/main" xmlns:p15="http://schemas.microsoft.com/office/powerpoint/2012/main" xmlns:p159="http://schemas.microsoft.com/office/powerpoint/2015/09/main" xmlns:p="http://schemas.openxmlformats.org/presentationml/2006/main">
+<p:sldMaster xmlns:a="http://schemas.openxmlformats.org/drawingml/2006/main" xmlns:r="http://schemas.openxmlformats.org/officeDocument/2006/relationships" xmlns:m="http://schemas.openxmlformats.org/officeDocument/2006/math" xmlns:w="http://schemas.openxmlformats.org/wordprocessingml/2006/main" xmlns:wp="http://schemas.openxmlformats.org/drawingml/2006/wordprocessingDrawing" xmlns:a14="http://schemas.microsoft.com/office/drawing/2010/main" xmlns:mc="http://schemas.openxmlformats.org/markup-compatibility/2006" xmlns:p14="http://schemas.microsoft.com/office/powerpoint/2010/main" xmlns:p15="http://schemas.microsoft.com/office/powerpoint/2012/main" xmlns:p159="http://schemas.microsoft.com/office/powerpoint/2015/09/main" xmlns:p="http://schemas.openxmlformats.org/presentationml/2006/main">
   <p:cSld>
     <p:bg>
       <p:bgRef idx="1001">
@@ -2688,7 +2688,7 @@
     </p:bg>
     <p:spTree>
       <p:nvGrpSpPr>
-        <p:cNvPr id="1" name=""/>
+        <p:cNvPr id="1" name="" title=""/>
         <p:cNvGrpSpPr/>
         <p:nvPr/>
       </p:nvGrpSpPr>
@@ -2700,7 +2700,7 @@
       </p:grpSpPr>
       <p:sp>
         <p:nvSpPr>
-          <p:cNvPr id="2" name="Title Placeholder 1"/>
+          <p:cNvPr id="2" name="Title Placeholder 1" title=""/>
           <p:cNvSpPr>
             <a:spLocks noGrp="1"/>
           </p:cNvSpPr>
@@ -2733,7 +2733,7 @@
       </p:sp>
       <p:sp>
         <p:nvSpPr>
-          <p:cNvPr id="3" name="Text Placeholder 2"/>
+          <p:cNvPr id="3" name="Text Placeholder 2" title=""/>
           <p:cNvSpPr>
             <a:spLocks noGrp="1"/>
           </p:cNvSpPr>
@@ -2794,7 +2794,7 @@
       </p:sp>
       <p:sp>
         <p:nvSpPr>
-          <p:cNvPr id="4" name="Date Placeholder 3"/>
+          <p:cNvPr id="4" name="Date Placeholder 3" title=""/>
           <p:cNvSpPr>
             <a:spLocks noGrp="1"/>
           </p:cNvSpPr>
@@ -2835,7 +2835,7 @@
       </p:sp>
       <p:sp>
         <p:nvSpPr>
-          <p:cNvPr id="5" name="Footer Placeholder 4"/>
+          <p:cNvPr id="5" name="Footer Placeholder 4" title=""/>
           <p:cNvSpPr>
             <a:spLocks noGrp="1"/>
           </p:cNvSpPr>
@@ -2872,7 +2872,7 @@
       </p:sp>
       <p:sp>
         <p:nvSpPr>
-          <p:cNvPr id="6" name="Slide Number Placeholder 5"/>
+          <p:cNvPr id="6" name="Slide Number Placeholder 5" title=""/>
           <p:cNvSpPr>
             <a:spLocks noGrp="1"/>
           </p:cNvSpPr>
@@ -3183,11 +3183,11 @@
 </file>
 
 <file path=ppt/slides/slide1.xml><?xml version="1.0" encoding="utf-8"?>
-<p:sld xmlns:a="http://schemas.openxmlformats.org/drawingml/2006/main" xmlns:r="http://schemas.openxmlformats.org/officeDocument/2006/relationships" xmlns:p14="http://schemas.microsoft.com/office/powerpoint/2010/main" xmlns:a14="http://schemas.microsoft.com/office/drawing/2010/main" xmlns:p15="http://schemas.microsoft.com/office/powerpoint/2012/main" xmlns:p159="http://schemas.microsoft.com/office/powerpoint/2015/09/main" xmlns:p="http://schemas.openxmlformats.org/presentationml/2006/main">
+<p:sld xmlns:a="http://schemas.openxmlformats.org/drawingml/2006/main" xmlns:r="http://schemas.openxmlformats.org/officeDocument/2006/relationships" xmlns:m="http://schemas.openxmlformats.org/officeDocument/2006/math" xmlns:w="http://schemas.openxmlformats.org/wordprocessingml/2006/main" xmlns:wp="http://schemas.openxmlformats.org/drawingml/2006/wordprocessingDrawing" xmlns:a14="http://schemas.microsoft.com/office/drawing/2010/main" xmlns:mc="http://schemas.openxmlformats.org/markup-compatibility/2006" xmlns:p14="http://schemas.microsoft.com/office/powerpoint/2010/main" xmlns:p15="http://schemas.microsoft.com/office/powerpoint/2012/main" xmlns:p159="http://schemas.microsoft.com/office/powerpoint/2015/09/main" xmlns:p="http://schemas.openxmlformats.org/presentationml/2006/main">
   <p:cSld name="">
     <p:spTree>
       <p:nvGrpSpPr>
-        <p:cNvPr id="1" name=""/>
+        <p:cNvPr id="1" name="" title=""/>
         <p:cNvGrpSpPr/>
         <p:nvPr/>
       </p:nvGrpSpPr>
@@ -3199,7 +3199,7 @@
       </p:grpSpPr>
       <p:graphicFrame>
         <p:nvGraphicFramePr>
-          <p:cNvPr id="2" name="ChartObject"/>
+          <p:cNvPr id="2" name="ChartObject" title=""/>
           <p:cNvGraphicFramePr/>
           <p:nvPr/>
         </p:nvGraphicFramePr>
@@ -3213,6 +3213,77 @@
           </a:graphicData>
         </a:graphic>
       </p:graphicFrame>
+      <p:sp>
+        <p:nvSpPr>
+          <p:cNvPr id="3" name="TextBox"/>
+          <p:cNvSpPr txBox="1">
+            <a:spLocks noGrp="1" noSelect="1" noRot="1" noMove="1"/>
+          </p:cNvSpPr>
+          <p:nvPr/>
+        </p:nvSpPr>
+        <p:spPr>
+          <a:xfrm>
+            <a:off x="1366520" y="2644140"/>
+            <a:ext cx="6411372" cy="1569660"/>
+          </a:xfrm>
+          <a:prstGeom prst="rect">
+            <a:avLst/>
+          </a:prstGeom>
+          <a:noFill/>
+        </p:spPr>
+        <p:txBody>
+          <a:bodyPr wrap="none" rtlCol="0" anchor="ctr" anchorCtr="1">
+            <a:spAutoFit/>
+          </a:bodyPr>
+          <a:lstStyle>
+            <a:lvl1pPr algn="l">
+              <a:lnSpc>
+                <a:spcPct val="150000"/>
+              </a:lnSpc>
+              <a:spcBef>
+                <a:spcPct val="0"/>
+              </a:spcBef>
+              <a:spcAft>
+                <a:spcPct val="0"/>
+              </a:spcAft>
+              <a:defRPr lang="en-US" sz="3200" b="1" noProof="1" dirty="0">
+                <a:solidFill>
+                  <a:prstClr val="red">
+                    <a:lumOff val="30000"/>
+                    <a:alpha val="40000"/>
+                  </a:prstClr>
+                </a:solidFill>
+                <a:effectLst>
+                  <a:outerShdw blurRad="50800" dist="38100" algn="tr" rotWithShape="0">
+                    <a:prstClr val="black">
+                      <a:alpha val="80000"/>
+                    </a:prstClr>
+                  </a:outerShdw>
+                </a:effectLst>
+                <a:latin typeface="Calibri" pitchFamily="34" charset="0"/>
+              </a:defRPr>
+            </a:lvl1pPr>
+          </a:lstStyle>
+          <a:p>
+            <a:pPr algn="ctr"/>
+            <a:r>
+              <a:t>Evaluation only.</a:t>
+            </a:r>
+          </a:p>
+          <a:p>
+            <a:pPr algn="ctr"/>
+            <a:r>
+              <a:t>Created with Aspose.Slides for .NET 4.0 Client Profile 21.12.</a:t>
+            </a:r>
+          </a:p>
+          <a:p>
+            <a:pPr algn="ctr"/>
+            <a:r>
+              <a:t>Copyright 2004-2021Aspose Pty Ltd.</a:t>
+            </a:r>
+          </a:p>
+        </p:txBody>
+      </p:sp>
     </p:spTree>
   </p:cSld>
   <p:clrMapOvr>
@@ -3226,10 +3297,10 @@
 <file path=ppt/tags/tag1.xml><?xml version="1.0" encoding="utf-8"?>
 <p:tagLst xmlns:p="http://schemas.openxmlformats.org/presentationml/2006/main">
   <p:tag name="AS_NET" val="4.0.30319.42000"/>
-  <p:tag name="AS_OS" val="Microsoft Windows NT 6.2.9200.0"/>
-  <p:tag name="AS_RELEASE_DATE" val="2019.06.14"/>
+  <p:tag name="AS_OS" val="Microsoft Windows NT 6.3.9600.0"/>
+  <p:tag name="AS_RELEASE_DATE" val="2021.12.14"/>
   <p:tag name="AS_TITLE" val="Aspose.Slides for .NET 4.0 Client Profile"/>
-  <p:tag name="AS_VERSION" val="19.6"/>
+  <p:tag name="AS_VERSION" val="21.12"/>
 </p:tagLst>
 </file>
 
